--- a/SSl2.pptx
+++ b/SSl2.pptx
@@ -5,15 +5,17 @@
     <p:sldMasterId id="2147483648" r:id="rId1"/>
   </p:sldMasterIdLst>
   <p:notesMasterIdLst>
-    <p:notesMasterId r:id="rId6"/>
+    <p:notesMasterId r:id="rId7"/>
   </p:notesMasterIdLst>
   <p:handoutMasterIdLst>
-    <p:handoutMasterId r:id="rId7"/>
+    <p:handoutMasterId r:id="rId9"/>
   </p:handoutMasterIdLst>
   <p:sldIdLst>
     <p:sldId id="274" r:id="rId3"/>
     <p:sldId id="272" r:id="rId4"/>
     <p:sldId id="273" r:id="rId5"/>
+    <p:sldId id="278" r:id="rId6"/>
+    <p:sldId id="281" r:id="rId8"/>
   </p:sldIdLst>
   <p:sldSz cx="9144000" cy="6858000" type="screen4x3"/>
   <p:notesSz cx="6858000" cy="9144000"/>
@@ -736,6 +738,94 @@
     </a:lvl9pPr>
   </p:notesStyle>
 </p:notesMaster>
+</file>
+
+<file path=ppt/notesSlides/notesSlide1.xml><?xml version="1.0" encoding="utf-8"?>
+<p:notes xmlns:a="http://schemas.openxmlformats.org/drawingml/2006/main" xmlns:r="http://schemas.openxmlformats.org/officeDocument/2006/relationships" xmlns:p="http://schemas.openxmlformats.org/presentationml/2006/main">
+  <p:cSld>
+    <p:spTree>
+      <p:nvGrpSpPr>
+        <p:cNvPr id="1" name=""/>
+        <p:cNvGrpSpPr/>
+        <p:nvPr/>
+      </p:nvGrpSpPr>
+      <p:grpSpPr/>
+      <p:sp>
+        <p:nvSpPr>
+          <p:cNvPr id="2" name="Slide Image Placeholder 1"/>
+          <p:cNvSpPr/>
+          <p:nvPr>
+            <p:ph type="sldImg" idx="2"/>
+          </p:nvPr>
+        </p:nvSpPr>
+        <p:spPr/>
+      </p:sp>
+      <p:sp>
+        <p:nvSpPr>
+          <p:cNvPr id="3" name="Text Placeholder 2"/>
+          <p:cNvSpPr/>
+          <p:nvPr>
+            <p:ph type="body" idx="3"/>
+          </p:nvPr>
+        </p:nvSpPr>
+        <p:spPr/>
+        <p:txBody>
+          <a:bodyPr/>
+          <a:p>
+            <a:endParaRPr lang="en-US"/>
+          </a:p>
+        </p:txBody>
+      </p:sp>
+    </p:spTree>
+  </p:cSld>
+  <p:clrMapOvr>
+    <a:masterClrMapping/>
+  </p:clrMapOvr>
+</p:notes>
+</file>
+
+<file path=ppt/notesSlides/notesSlide2.xml><?xml version="1.0" encoding="utf-8"?>
+<p:notes xmlns:a="http://schemas.openxmlformats.org/drawingml/2006/main" xmlns:r="http://schemas.openxmlformats.org/officeDocument/2006/relationships" xmlns:p="http://schemas.openxmlformats.org/presentationml/2006/main">
+  <p:cSld>
+    <p:spTree>
+      <p:nvGrpSpPr>
+        <p:cNvPr id="1" name=""/>
+        <p:cNvGrpSpPr/>
+        <p:nvPr/>
+      </p:nvGrpSpPr>
+      <p:grpSpPr/>
+      <p:sp>
+        <p:nvSpPr>
+          <p:cNvPr id="2" name="Slide Image Placeholder 1"/>
+          <p:cNvSpPr/>
+          <p:nvPr>
+            <p:ph type="sldImg" idx="2"/>
+          </p:nvPr>
+        </p:nvSpPr>
+        <p:spPr/>
+      </p:sp>
+      <p:sp>
+        <p:nvSpPr>
+          <p:cNvPr id="3" name="Text Placeholder 2"/>
+          <p:cNvSpPr/>
+          <p:nvPr>
+            <p:ph type="body" idx="3"/>
+          </p:nvPr>
+        </p:nvSpPr>
+        <p:spPr/>
+        <p:txBody>
+          <a:bodyPr/>
+          <a:p>
+            <a:endParaRPr lang="en-US"/>
+          </a:p>
+        </p:txBody>
+      </p:sp>
+    </p:spTree>
+  </p:cSld>
+  <p:clrMapOvr>
+    <a:masterClrMapping/>
+  </p:clrMapOvr>
+</p:notes>
 </file>
 
 <file path=ppt/slideLayouts/slideLayout1.xml><?xml version="1.0" encoding="utf-8"?>
@@ -4115,6 +4205,276 @@
           </a:p>
         </p:txBody>
       </p:sp>
+    </p:spTree>
+  </p:cSld>
+  <p:clrMapOvr>
+    <a:masterClrMapping/>
+  </p:clrMapOvr>
+</p:sld>
+</file>
+
+<file path=ppt/slides/slide4.xml><?xml version="1.0" encoding="utf-8"?>
+<p:sld xmlns:a="http://schemas.openxmlformats.org/drawingml/2006/main" xmlns:r="http://schemas.openxmlformats.org/officeDocument/2006/relationships" xmlns:p="http://schemas.openxmlformats.org/presentationml/2006/main">
+  <p:cSld>
+    <p:spTree>
+      <p:nvGrpSpPr>
+        <p:cNvPr id="1" name=""/>
+        <p:cNvGrpSpPr/>
+        <p:nvPr/>
+      </p:nvGrpSpPr>
+      <p:grpSpPr/>
+      <p:sp>
+        <p:nvSpPr>
+          <p:cNvPr id="2" name="Title 1"/>
+          <p:cNvSpPr>
+            <a:spLocks noGrp="1"/>
+          </p:cNvSpPr>
+          <p:nvPr>
+            <p:ph type="title"/>
+          </p:nvPr>
+        </p:nvSpPr>
+        <p:spPr>
+          <a:xfrm>
+            <a:off x="485140" y="1466215"/>
+            <a:ext cx="8339455" cy="994410"/>
+          </a:xfrm>
+        </p:spPr>
+        <p:txBody>
+          <a:bodyPr>
+            <a:normAutofit fontScale="90000"/>
+          </a:bodyPr>
+          <a:p>
+            <a:pPr algn="l"/>
+            <a:r>
+              <a:rPr lang="en-US" sz="3100" b="1">
+                <a:latin typeface="Georgia" panose="02040502050405020303" charset="0"/>
+                <a:cs typeface="Georgia" panose="02040502050405020303" charset="0"/>
+                <a:sym typeface="+mn-ea"/>
+              </a:rPr>
+              <a:t>Pretext task  </a:t>
+            </a:r>
+            <a:r>
+              <a:rPr lang="en-IN" altLang="en-US" sz="3100" b="1">
+                <a:latin typeface="Georgia" panose="02040502050405020303" charset="0"/>
+                <a:cs typeface="Georgia" panose="02040502050405020303" charset="0"/>
+                <a:sym typeface="+mn-ea"/>
+              </a:rPr>
+              <a:t>for text</a:t>
+            </a:r>
+            <a:br>
+              <a:rPr lang="en-US"/>
+            </a:br>
+            <a:endParaRPr lang="en-US"/>
+          </a:p>
+        </p:txBody>
+      </p:sp>
+      <p:sp>
+        <p:nvSpPr>
+          <p:cNvPr id="3" name="Content Placeholder 2"/>
+          <p:cNvSpPr>
+            <a:spLocks noGrp="1"/>
+          </p:cNvSpPr>
+          <p:nvPr>
+            <p:ph idx="1"/>
+          </p:nvPr>
+        </p:nvSpPr>
+        <p:spPr>
+          <a:xfrm>
+            <a:off x="628650" y="2705100"/>
+            <a:ext cx="7886700" cy="2689384"/>
+          </a:xfrm>
+        </p:spPr>
+        <p:txBody>
+          <a:bodyPr>
+            <a:normAutofit/>
+          </a:bodyPr>
+          <a:p>
+            <a:r>
+              <a:rPr lang="en-US" sz="1800"/>
+              <a:t>N</a:t>
+            </a:r>
+            <a:r>
+              <a:rPr lang="en-IN" altLang="en-US" sz="1800"/>
+              <a:t>ext Sentence Prediction</a:t>
+            </a:r>
+            <a:endParaRPr lang="en-US" sz="1800"/>
+          </a:p>
+          <a:p>
+            <a:r>
+              <a:rPr lang="en-US" sz="1800" b="1"/>
+              <a:t>Masked language modelling</a:t>
+            </a:r>
+            <a:endParaRPr lang="en-US" sz="1800" b="1"/>
+          </a:p>
+          <a:p>
+            <a:r>
+              <a:rPr lang="en-US" sz="1800"/>
+              <a:t>Sentence order prediction</a:t>
+            </a:r>
+            <a:endParaRPr lang="en-US" sz="1800"/>
+          </a:p>
+          <a:p>
+            <a:r>
+              <a:rPr lang="en-US" sz="1800" b="1"/>
+              <a:t>Center </a:t>
+            </a:r>
+            <a:r>
+              <a:rPr lang="en-US" sz="1800" b="1">
+                <a:sym typeface="+mn-ea"/>
+              </a:rPr>
+              <a:t>word prediction</a:t>
+            </a:r>
+            <a:endParaRPr lang="en-US" sz="1800" b="1"/>
+          </a:p>
+          <a:p>
+            <a:r>
+              <a:rPr lang="en-IN" altLang="en-US" sz="1800"/>
+              <a:t>N</a:t>
+            </a:r>
+            <a:r>
+              <a:rPr lang="en-US" sz="1800"/>
+              <a:t>eighbour word prediction</a:t>
+            </a:r>
+            <a:endParaRPr lang="en-US" sz="1800"/>
+          </a:p>
+          <a:p>
+            <a:r>
+              <a:rPr lang="en-US" sz="1800"/>
+              <a:t>Sentence prediction</a:t>
+            </a:r>
+            <a:endParaRPr lang="en-US" sz="1800"/>
+          </a:p>
+          <a:p>
+            <a:r>
+              <a:rPr lang="en-US" sz="1800"/>
+              <a:t>Document rotation</a:t>
+            </a:r>
+            <a:endParaRPr lang="en-US" sz="1800"/>
+          </a:p>
+        </p:txBody>
+      </p:sp>
+    </p:spTree>
+  </p:cSld>
+  <p:clrMapOvr>
+    <a:masterClrMapping/>
+  </p:clrMapOvr>
+</p:sld>
+</file>
+
+<file path=ppt/slides/slide5.xml><?xml version="1.0" encoding="utf-8"?>
+<p:sld xmlns:a="http://schemas.openxmlformats.org/drawingml/2006/main" xmlns:r="http://schemas.openxmlformats.org/officeDocument/2006/relationships" xmlns:p="http://schemas.openxmlformats.org/presentationml/2006/main">
+  <p:cSld>
+    <p:spTree>
+      <p:nvGrpSpPr>
+        <p:cNvPr id="1" name=""/>
+        <p:cNvGrpSpPr/>
+        <p:nvPr/>
+      </p:nvGrpSpPr>
+      <p:grpSpPr/>
+      <p:sp>
+        <p:nvSpPr>
+          <p:cNvPr id="3" name="Content Placeholder 2"/>
+          <p:cNvSpPr>
+            <a:spLocks noGrp="1"/>
+          </p:cNvSpPr>
+          <p:nvPr>
+            <p:ph sz="half" idx="1"/>
+          </p:nvPr>
+        </p:nvSpPr>
+        <p:spPr>
+          <a:xfrm>
+            <a:off x="457200" y="1600200"/>
+            <a:ext cx="4445000" cy="4526280"/>
+          </a:xfrm>
+        </p:spPr>
+        <p:txBody>
+          <a:bodyPr>
+            <a:normAutofit lnSpcReduction="20000"/>
+          </a:bodyPr>
+          <a:p>
+            <a:r>
+              <a:rPr lang="en-IN" altLang="en-US"/>
+              <a:t>Center word prediction</a:t>
+            </a:r>
+            <a:endParaRPr lang="en-IN" altLang="en-US"/>
+          </a:p>
+          <a:p>
+            <a:endParaRPr lang="en-IN" altLang="en-US" sz="3600"/>
+          </a:p>
+          <a:p>
+            <a:endParaRPr lang="en-IN" altLang="en-US"/>
+          </a:p>
+          <a:p>
+            <a:endParaRPr lang="en-IN" altLang="en-US"/>
+          </a:p>
+          <a:p>
+            <a:endParaRPr lang="en-IN" altLang="en-US"/>
+          </a:p>
+          <a:p>
+            <a:endParaRPr lang="en-IN" altLang="en-US"/>
+          </a:p>
+          <a:p>
+            <a:r>
+              <a:rPr lang="en-IN" altLang="en-US" sz="2800"/>
+              <a:t>Masked language modeling</a:t>
+            </a:r>
+            <a:endParaRPr lang="en-IN" altLang="en-US" sz="2800"/>
+          </a:p>
+          <a:p>
+            <a:endParaRPr lang="en-IN" altLang="en-US" sz="2800"/>
+          </a:p>
+        </p:txBody>
+      </p:sp>
+      <p:pic>
+        <p:nvPicPr>
+          <p:cNvPr id="8" name="Content Placeholder 7"/>
+          <p:cNvPicPr>
+            <a:picLocks noChangeAspect="1"/>
+          </p:cNvPicPr>
+          <p:nvPr>
+            <p:ph sz="half" idx="2"/>
+          </p:nvPr>
+        </p:nvPicPr>
+        <p:blipFill>
+          <a:blip r:embed="rId1"/>
+          <a:stretch>
+            <a:fillRect/>
+          </a:stretch>
+        </p:blipFill>
+        <p:spPr>
+          <a:xfrm>
+            <a:off x="3815080" y="1113790"/>
+            <a:ext cx="5151120" cy="1951990"/>
+          </a:xfrm>
+          <a:prstGeom prst="rect">
+            <a:avLst/>
+          </a:prstGeom>
+        </p:spPr>
+      </p:pic>
+      <p:pic>
+        <p:nvPicPr>
+          <p:cNvPr id="9" name="Picture 8"/>
+          <p:cNvPicPr>
+            <a:picLocks noChangeAspect="1"/>
+          </p:cNvPicPr>
+          <p:nvPr/>
+        </p:nvPicPr>
+        <p:blipFill>
+          <a:blip r:embed="rId2"/>
+          <a:stretch>
+            <a:fillRect/>
+          </a:stretch>
+        </p:blipFill>
+        <p:spPr>
+          <a:xfrm>
+            <a:off x="3904615" y="4181475"/>
+            <a:ext cx="5173345" cy="1701165"/>
+          </a:xfrm>
+          <a:prstGeom prst="rect">
+            <a:avLst/>
+          </a:prstGeom>
+        </p:spPr>
+      </p:pic>
     </p:spTree>
   </p:cSld>
   <p:clrMapOvr>

--- a/SSl2.pptx
+++ b/SSl2.pptx
@@ -5,17 +5,19 @@
     <p:sldMasterId id="2147483648" r:id="rId1"/>
   </p:sldMasterIdLst>
   <p:notesMasterIdLst>
-    <p:notesMasterId r:id="rId7"/>
+    <p:notesMasterId r:id="rId9"/>
   </p:notesMasterIdLst>
   <p:handoutMasterIdLst>
-    <p:handoutMasterId r:id="rId9"/>
+    <p:handoutMasterId r:id="rId11"/>
   </p:handoutMasterIdLst>
   <p:sldIdLst>
     <p:sldId id="274" r:id="rId3"/>
-    <p:sldId id="272" r:id="rId4"/>
-    <p:sldId id="273" r:id="rId5"/>
-    <p:sldId id="278" r:id="rId6"/>
-    <p:sldId id="281" r:id="rId8"/>
+    <p:sldId id="286" r:id="rId4"/>
+    <p:sldId id="285" r:id="rId5"/>
+    <p:sldId id="272" r:id="rId6"/>
+    <p:sldId id="273" r:id="rId7"/>
+    <p:sldId id="278" r:id="rId8"/>
+    <p:sldId id="281" r:id="rId10"/>
   </p:sldIdLst>
   <p:sldSz cx="9144000" cy="6858000" type="screen4x3"/>
   <p:notesSz cx="6858000" cy="9144000"/>
@@ -3919,6 +3921,210 @@
       <p:grpSpPr/>
       <p:sp>
         <p:nvSpPr>
+          <p:cNvPr id="2" name="Title 1"/>
+          <p:cNvSpPr>
+            <a:spLocks noGrp="1"/>
+          </p:cNvSpPr>
+          <p:nvPr>
+            <p:ph type="title"/>
+          </p:nvPr>
+        </p:nvSpPr>
+        <p:spPr>
+          <a:xfrm>
+            <a:off x="436245" y="1210628"/>
+            <a:ext cx="8424863" cy="994410"/>
+          </a:xfrm>
+        </p:spPr>
+        <p:txBody>
+          <a:bodyPr/>
+          <a:p>
+            <a:r>
+              <a:rPr lang="en-IN" altLang="en-US" sz="2400" b="1">
+                <a:latin typeface="Georgia" panose="02040502050405020303" charset="0"/>
+                <a:cs typeface="Georgia" panose="02040502050405020303" charset="0"/>
+              </a:rPr>
+              <a:t>ConVIRT  (Contrastive Visual Representation from Text) </a:t>
+            </a:r>
+            <a:r>
+              <a:rPr lang="en-IN" altLang="en-US" sz="2400" b="1">
+                <a:latin typeface="Georgia" panose="02040502050405020303" charset="0"/>
+                <a:cs typeface="Georgia" panose="02040502050405020303" charset="0"/>
+                <a:sym typeface="+mn-ea"/>
+              </a:rPr>
+              <a:t>Framework</a:t>
+            </a:r>
+            <a:endParaRPr lang="en-IN" altLang="en-US" sz="2400" b="1">
+              <a:latin typeface="Georgia" panose="02040502050405020303" charset="0"/>
+              <a:cs typeface="Georgia" panose="02040502050405020303" charset="0"/>
+              <a:sym typeface="+mn-ea"/>
+            </a:endParaRPr>
+          </a:p>
+        </p:txBody>
+      </p:sp>
+      <p:pic>
+        <p:nvPicPr>
+          <p:cNvPr id="4" name="Picture 3" descr="Capture"/>
+          <p:cNvPicPr>
+            <a:picLocks noChangeAspect="1"/>
+          </p:cNvPicPr>
+          <p:nvPr/>
+        </p:nvPicPr>
+        <p:blipFill>
+          <a:blip r:embed="rId1"/>
+          <a:stretch>
+            <a:fillRect/>
+          </a:stretch>
+        </p:blipFill>
+        <p:spPr>
+          <a:xfrm>
+            <a:off x="1382554" y="2621280"/>
+            <a:ext cx="6692265" cy="2214086"/>
+          </a:xfrm>
+          <a:prstGeom prst="rect">
+            <a:avLst/>
+          </a:prstGeom>
+        </p:spPr>
+      </p:pic>
+      <p:sp>
+        <p:nvSpPr>
+          <p:cNvPr id="5" name="Text Box 4"/>
+          <p:cNvSpPr txBox="1"/>
+          <p:nvPr/>
+        </p:nvSpPr>
+        <p:spPr>
+          <a:xfrm>
+            <a:off x="436245" y="5676424"/>
+            <a:ext cx="8584883" cy="252730"/>
+          </a:xfrm>
+          <a:prstGeom prst="rect">
+            <a:avLst/>
+          </a:prstGeom>
+          <a:noFill/>
+        </p:spPr>
+        <p:txBody>
+          <a:bodyPr wrap="square" rtlCol="0">
+            <a:spAutoFit/>
+          </a:bodyPr>
+          <a:p>
+            <a:r>
+              <a:rPr lang="en-IN" altLang="en-US" sz="1050">
+                <a:solidFill>
+                  <a:schemeClr val="bg1">
+                    <a:lumMod val="65000"/>
+                  </a:schemeClr>
+                </a:solidFill>
+              </a:rPr>
+              <a:t>Paper : </a:t>
+            </a:r>
+            <a:r>
+              <a:rPr lang="en-US" sz="1050">
+                <a:solidFill>
+                  <a:schemeClr val="bg1">
+                    <a:lumMod val="65000"/>
+                  </a:schemeClr>
+                </a:solidFill>
+              </a:rPr>
+              <a:t>CONTRASTIVE LEARNING OF MEDICAL VISUAL REPRESENTATIONS FROM PAIRED IMAGES AND TEXT</a:t>
+            </a:r>
+            <a:endParaRPr lang="en-US" sz="1050">
+              <a:solidFill>
+                <a:schemeClr val="bg1">
+                  <a:lumMod val="65000"/>
+                </a:schemeClr>
+              </a:solidFill>
+            </a:endParaRPr>
+          </a:p>
+        </p:txBody>
+      </p:sp>
+    </p:spTree>
+  </p:cSld>
+  <p:clrMapOvr>
+    <a:masterClrMapping/>
+  </p:clrMapOvr>
+</p:sld>
+</file>
+
+<file path=ppt/slides/slide3.xml><?xml version="1.0" encoding="utf-8"?>
+<p:sld xmlns:a="http://schemas.openxmlformats.org/drawingml/2006/main" xmlns:r="http://schemas.openxmlformats.org/officeDocument/2006/relationships" xmlns:p="http://schemas.openxmlformats.org/presentationml/2006/main">
+  <p:cSld>
+    <p:spTree>
+      <p:nvGrpSpPr>
+        <p:cNvPr id="1" name=""/>
+        <p:cNvGrpSpPr/>
+        <p:nvPr/>
+      </p:nvGrpSpPr>
+      <p:grpSpPr>
+        <a:xfrm>
+          <a:off x="0" y="0"/>
+          <a:ext cx="0" cy="0"/>
+          <a:chOff x="0" y="0"/>
+          <a:chExt cx="0" cy="0"/>
+        </a:xfrm>
+      </p:grpSpPr>
+      <p:sp>
+        <p:nvSpPr>
+          <p:cNvPr id="2" name="Title 1"/>
+          <p:cNvSpPr>
+            <a:spLocks noGrp="1"/>
+          </p:cNvSpPr>
+          <p:nvPr>
+            <p:ph type="ctrTitle"/>
+          </p:nvPr>
+        </p:nvSpPr>
+        <p:spPr>
+          <a:xfrm>
+            <a:off x="1143000" y="2058035"/>
+            <a:ext cx="6858000" cy="946785"/>
+          </a:xfrm>
+        </p:spPr>
+        <p:txBody>
+          <a:bodyPr/>
+          <a:lstStyle/>
+          <a:p>
+            <a:pPr algn="l"/>
+            <a:r>
+              <a:rPr lang="en-IN" altLang="en-US" b="1" dirty="0">
+                <a:latin typeface="Georgia" panose="02040502050405020303" charset="0"/>
+                <a:ea typeface="Microsoft JhengHei UI Light" panose="020B0304030504040204" charset="-120"/>
+                <a:cs typeface="Georgia" panose="02040502050405020303" charset="0"/>
+              </a:rPr>
+              <a:t>Pretext Tasks</a:t>
+            </a:r>
+            <a:r>
+              <a:rPr lang="en-IN" altLang="en-US" b="1" dirty="0">
+                <a:latin typeface="Georgia" panose="02040502050405020303" charset="0"/>
+                <a:cs typeface="Georgia" panose="02040502050405020303" charset="0"/>
+              </a:rPr>
+              <a:t> </a:t>
+            </a:r>
+            <a:r>
+              <a:rPr lang="en-IN" altLang="en-US" b="1" dirty="0"/>
+              <a:t> </a:t>
+            </a:r>
+            <a:endParaRPr lang="en-IN" altLang="en-US" b="1" dirty="0"/>
+          </a:p>
+        </p:txBody>
+      </p:sp>
+    </p:spTree>
+  </p:cSld>
+  <p:clrMapOvr>
+    <a:masterClrMapping/>
+  </p:clrMapOvr>
+</p:sld>
+</file>
+
+<file path=ppt/slides/slide4.xml><?xml version="1.0" encoding="utf-8"?>
+<p:sld xmlns:a="http://schemas.openxmlformats.org/drawingml/2006/main" xmlns:r="http://schemas.openxmlformats.org/officeDocument/2006/relationships" xmlns:p="http://schemas.openxmlformats.org/presentationml/2006/main">
+  <p:cSld>
+    <p:spTree>
+      <p:nvGrpSpPr>
+        <p:cNvPr id="1" name=""/>
+        <p:cNvGrpSpPr/>
+        <p:nvPr/>
+      </p:nvGrpSpPr>
+      <p:grpSpPr/>
+      <p:sp>
+        <p:nvSpPr>
           <p:cNvPr id="6" name="Text Box 5"/>
           <p:cNvSpPr txBox="1"/>
           <p:nvPr/>
@@ -4076,7 +4282,7 @@
 </p:sld>
 </file>
 
-<file path=ppt/slides/slide3.xml><?xml version="1.0" encoding="utf-8"?>
+<file path=ppt/slides/slide5.xml><?xml version="1.0" encoding="utf-8"?>
 <p:sld xmlns:a="http://schemas.openxmlformats.org/drawingml/2006/main" xmlns:r="http://schemas.openxmlformats.org/officeDocument/2006/relationships" xmlns:p="http://schemas.openxmlformats.org/presentationml/2006/main">
   <p:cSld>
     <p:spTree>
@@ -4213,7 +4419,7 @@
 </p:sld>
 </file>
 
-<file path=ppt/slides/slide4.xml><?xml version="1.0" encoding="utf-8"?>
+<file path=ppt/slides/slide6.xml><?xml version="1.0" encoding="utf-8"?>
 <p:sld xmlns:a="http://schemas.openxmlformats.org/drawingml/2006/main" xmlns:r="http://schemas.openxmlformats.org/officeDocument/2006/relationships" xmlns:p="http://schemas.openxmlformats.org/presentationml/2006/main">
   <p:cSld>
     <p:spTree>
@@ -4361,7 +4567,7 @@
 </p:sld>
 </file>
 
-<file path=ppt/slides/slide5.xml><?xml version="1.0" encoding="utf-8"?>
+<file path=ppt/slides/slide7.xml><?xml version="1.0" encoding="utf-8"?>
 <p:sld xmlns:a="http://schemas.openxmlformats.org/drawingml/2006/main" xmlns:r="http://schemas.openxmlformats.org/officeDocument/2006/relationships" xmlns:p="http://schemas.openxmlformats.org/presentationml/2006/main">
   <p:cSld>
     <p:spTree>

--- a/SSl2.pptx
+++ b/SSl2.pptx
@@ -12,10 +12,10 @@
   </p:handoutMasterIdLst>
   <p:sldIdLst>
     <p:sldId id="274" r:id="rId3"/>
-    <p:sldId id="286" r:id="rId4"/>
-    <p:sldId id="285" r:id="rId5"/>
-    <p:sldId id="272" r:id="rId6"/>
-    <p:sldId id="273" r:id="rId7"/>
+    <p:sldId id="285" r:id="rId4"/>
+    <p:sldId id="272" r:id="rId5"/>
+    <p:sldId id="273" r:id="rId6"/>
+    <p:sldId id="286" r:id="rId7"/>
     <p:sldId id="278" r:id="rId8"/>
     <p:sldId id="281" r:id="rId10"/>
   </p:sldIdLst>
@@ -3918,6 +3918,351 @@
         <p:cNvGrpSpPr/>
         <p:nvPr/>
       </p:nvGrpSpPr>
+      <p:grpSpPr>
+        <a:xfrm>
+          <a:off x="0" y="0"/>
+          <a:ext cx="0" cy="0"/>
+          <a:chOff x="0" y="0"/>
+          <a:chExt cx="0" cy="0"/>
+        </a:xfrm>
+      </p:grpSpPr>
+      <p:sp>
+        <p:nvSpPr>
+          <p:cNvPr id="2" name="Title 1"/>
+          <p:cNvSpPr>
+            <a:spLocks noGrp="1"/>
+          </p:cNvSpPr>
+          <p:nvPr>
+            <p:ph type="ctrTitle"/>
+          </p:nvPr>
+        </p:nvSpPr>
+        <p:spPr>
+          <a:xfrm>
+            <a:off x="1143000" y="2058035"/>
+            <a:ext cx="6858000" cy="946785"/>
+          </a:xfrm>
+        </p:spPr>
+        <p:txBody>
+          <a:bodyPr/>
+          <a:lstStyle/>
+          <a:p>
+            <a:pPr algn="l"/>
+            <a:r>
+              <a:rPr lang="en-IN" altLang="en-US" b="1" dirty="0">
+                <a:latin typeface="Georgia" panose="02040502050405020303" charset="0"/>
+                <a:ea typeface="Microsoft JhengHei UI Light" panose="020B0304030504040204" charset="-120"/>
+                <a:cs typeface="Georgia" panose="02040502050405020303" charset="0"/>
+              </a:rPr>
+              <a:t>Pretext Tasks</a:t>
+            </a:r>
+            <a:r>
+              <a:rPr lang="en-IN" altLang="en-US" b="1" dirty="0">
+                <a:latin typeface="Georgia" panose="02040502050405020303" charset="0"/>
+                <a:cs typeface="Georgia" panose="02040502050405020303" charset="0"/>
+              </a:rPr>
+              <a:t> </a:t>
+            </a:r>
+            <a:r>
+              <a:rPr lang="en-IN" altLang="en-US" b="1" dirty="0"/>
+              <a:t> </a:t>
+            </a:r>
+            <a:endParaRPr lang="en-IN" altLang="en-US" b="1" dirty="0"/>
+          </a:p>
+        </p:txBody>
+      </p:sp>
+    </p:spTree>
+  </p:cSld>
+  <p:clrMapOvr>
+    <a:masterClrMapping/>
+  </p:clrMapOvr>
+</p:sld>
+</file>
+
+<file path=ppt/slides/slide3.xml><?xml version="1.0" encoding="utf-8"?>
+<p:sld xmlns:a="http://schemas.openxmlformats.org/drawingml/2006/main" xmlns:r="http://schemas.openxmlformats.org/officeDocument/2006/relationships" xmlns:p="http://schemas.openxmlformats.org/presentationml/2006/main">
+  <p:cSld>
+    <p:spTree>
+      <p:nvGrpSpPr>
+        <p:cNvPr id="1" name=""/>
+        <p:cNvGrpSpPr/>
+        <p:nvPr/>
+      </p:nvGrpSpPr>
+      <p:grpSpPr/>
+      <p:sp>
+        <p:nvSpPr>
+          <p:cNvPr id="6" name="Text Box 5"/>
+          <p:cNvSpPr txBox="1"/>
+          <p:nvPr/>
+        </p:nvSpPr>
+        <p:spPr>
+          <a:xfrm>
+            <a:off x="518160" y="4011295"/>
+            <a:ext cx="6870700" cy="2306955"/>
+          </a:xfrm>
+          <a:prstGeom prst="rect">
+            <a:avLst/>
+          </a:prstGeom>
+          <a:noFill/>
+        </p:spPr>
+        <p:txBody>
+          <a:bodyPr wrap="square" rtlCol="0" anchor="t">
+            <a:spAutoFit/>
+          </a:bodyPr>
+          <a:p>
+            <a:pPr marL="285750" indent="-285750">
+              <a:buFont typeface="Arial" panose="020B0604020202020204" pitchFamily="34" charset="0"/>
+              <a:buChar char="•"/>
+            </a:pPr>
+            <a:r>
+              <a:rPr lang="en-US" sz="1600">
+                <a:latin typeface="Georgia" panose="02040502050405020303" charset="0"/>
+                <a:cs typeface="Georgia" panose="02040502050405020303" charset="0"/>
+              </a:rPr>
+              <a:t>Input: 2 image patches, one is the anchor image patch while the other is the query image patch.</a:t>
+            </a:r>
+            <a:endParaRPr lang="en-US" sz="1600">
+              <a:latin typeface="Georgia" panose="02040502050405020303" charset="0"/>
+              <a:cs typeface="Georgia" panose="02040502050405020303" charset="0"/>
+            </a:endParaRPr>
+          </a:p>
+          <a:p>
+            <a:pPr marL="285750" indent="-285750">
+              <a:buFont typeface="Arial" panose="020B0604020202020204" pitchFamily="34" charset="0"/>
+              <a:buChar char="•"/>
+            </a:pPr>
+            <a:r>
+              <a:rPr lang="en-US" sz="1600">
+                <a:latin typeface="Georgia" panose="02040502050405020303" charset="0"/>
+                <a:cs typeface="Georgia" panose="02040502050405020303" charset="0"/>
+              </a:rPr>
+              <a:t>Given the 2 image patches, the network needs to predict the relative position of the query image patch with respect to the anchor image patch.</a:t>
+            </a:r>
+            <a:endParaRPr lang="en-US" sz="1600">
+              <a:latin typeface="Georgia" panose="02040502050405020303" charset="0"/>
+              <a:cs typeface="Georgia" panose="02040502050405020303" charset="0"/>
+            </a:endParaRPr>
+          </a:p>
+          <a:p>
+            <a:pPr marL="285750" indent="-285750">
+              <a:buFont typeface="Arial" panose="020B0604020202020204" pitchFamily="34" charset="0"/>
+              <a:buChar char="•"/>
+            </a:pPr>
+            <a:r>
+              <a:rPr lang="en-US" sz="1600">
+                <a:latin typeface="Georgia" panose="02040502050405020303" charset="0"/>
+                <a:cs typeface="Georgia" panose="02040502050405020303" charset="0"/>
+              </a:rPr>
+              <a:t>Thus, this problem can be modelled as an 8-way classification problem, since there are 8 possible locations for a query image, given an anchor.</a:t>
+            </a:r>
+            <a:endParaRPr lang="en-US" sz="1600">
+              <a:latin typeface="Georgia" panose="02040502050405020303" charset="0"/>
+              <a:cs typeface="Georgia" panose="02040502050405020303" charset="0"/>
+            </a:endParaRPr>
+          </a:p>
+          <a:p>
+            <a:pPr marL="285750" indent="-285750">
+              <a:buFont typeface="Arial" panose="020B0604020202020204" pitchFamily="34" charset="0"/>
+              <a:buChar char="•"/>
+            </a:pPr>
+            <a:r>
+              <a:rPr lang="en-US" sz="1600">
+                <a:latin typeface="Georgia" panose="02040502050405020303" charset="0"/>
+                <a:cs typeface="Georgia" panose="02040502050405020303" charset="0"/>
+              </a:rPr>
+              <a:t>And, the label for this task can be automatically generated by feeding the relative position of query patch with respect to the anchor.</a:t>
+            </a:r>
+            <a:endParaRPr lang="en-US" sz="1600">
+              <a:latin typeface="Georgia" panose="02040502050405020303" charset="0"/>
+              <a:cs typeface="Georgia" panose="02040502050405020303" charset="0"/>
+            </a:endParaRPr>
+          </a:p>
+        </p:txBody>
+      </p:sp>
+      <p:sp>
+        <p:nvSpPr>
+          <p:cNvPr id="7" name="Text Box 6"/>
+          <p:cNvSpPr txBox="1"/>
+          <p:nvPr/>
+        </p:nvSpPr>
+        <p:spPr>
+          <a:xfrm>
+            <a:off x="573405" y="249555"/>
+            <a:ext cx="7310755" cy="398780"/>
+          </a:xfrm>
+          <a:prstGeom prst="rect">
+            <a:avLst/>
+          </a:prstGeom>
+          <a:noFill/>
+        </p:spPr>
+        <p:txBody>
+          <a:bodyPr wrap="square" rtlCol="0">
+            <a:spAutoFit/>
+          </a:bodyPr>
+          <a:p>
+            <a:r>
+              <a:rPr lang="en-US" sz="2000">
+                <a:latin typeface="Georgia" panose="02040502050405020303" charset="0"/>
+                <a:cs typeface="Georgia" panose="02040502050405020303" charset="0"/>
+              </a:rPr>
+              <a:t>Predicting relative position of image patches.</a:t>
+            </a:r>
+            <a:endParaRPr lang="en-US" sz="2000">
+              <a:latin typeface="Georgia" panose="02040502050405020303" charset="0"/>
+              <a:cs typeface="Georgia" panose="02040502050405020303" charset="0"/>
+            </a:endParaRPr>
+          </a:p>
+        </p:txBody>
+      </p:sp>
+      <p:pic>
+        <p:nvPicPr>
+          <p:cNvPr id="4" name="Content Placeholder 3"/>
+          <p:cNvPicPr>
+            <a:picLocks noChangeAspect="1"/>
+          </p:cNvPicPr>
+          <p:nvPr>
+            <p:ph idx="1"/>
+          </p:nvPr>
+        </p:nvPicPr>
+        <p:blipFill>
+          <a:blip r:embed="rId1"/>
+          <a:stretch>
+            <a:fillRect/>
+          </a:stretch>
+        </p:blipFill>
+        <p:spPr>
+          <a:xfrm>
+            <a:off x="518160" y="817245"/>
+            <a:ext cx="6842760" cy="2278380"/>
+          </a:xfrm>
+          <a:prstGeom prst="rect">
+            <a:avLst/>
+          </a:prstGeom>
+          <a:noFill/>
+          <a:ln w="9525">
+            <a:noFill/>
+          </a:ln>
+        </p:spPr>
+      </p:pic>
+    </p:spTree>
+  </p:cSld>
+  <p:clrMapOvr>
+    <a:masterClrMapping/>
+  </p:clrMapOvr>
+</p:sld>
+</file>
+
+<file path=ppt/slides/slide4.xml><?xml version="1.0" encoding="utf-8"?>
+<p:sld xmlns:a="http://schemas.openxmlformats.org/drawingml/2006/main" xmlns:r="http://schemas.openxmlformats.org/officeDocument/2006/relationships" xmlns:p="http://schemas.openxmlformats.org/presentationml/2006/main">
+  <p:cSld>
+    <p:spTree>
+      <p:nvGrpSpPr>
+        <p:cNvPr id="1" name=""/>
+        <p:cNvGrpSpPr/>
+        <p:nvPr/>
+      </p:nvGrpSpPr>
+      <p:grpSpPr/>
+      <p:sp>
+        <p:nvSpPr>
+          <p:cNvPr id="3" name="Content Placeholder 2"/>
+          <p:cNvSpPr>
+            <a:spLocks noGrp="1"/>
+          </p:cNvSpPr>
+          <p:nvPr>
+            <p:ph idx="1"/>
+          </p:nvPr>
+        </p:nvSpPr>
+        <p:spPr>
+          <a:xfrm>
+            <a:off x="457200" y="165100"/>
+            <a:ext cx="8229600" cy="2499360"/>
+          </a:xfrm>
+        </p:spPr>
+        <p:txBody>
+          <a:bodyPr/>
+          <a:p>
+            <a:pPr marL="0" indent="0">
+              <a:buNone/>
+            </a:pPr>
+            <a:endParaRPr lang="en-US" sz="1600"/>
+          </a:p>
+          <a:p>
+            <a:r>
+              <a:rPr lang="en-US" sz="1600"/>
+              <a:t>We can evaluate the effectiveness of the learned visual representations by checking nearest neighbours for a given image patch basis feature representations provided by the network. For computing nearest neighbours of a given image patch</a:t>
+            </a:r>
+            <a:endParaRPr lang="en-US" sz="1600"/>
+          </a:p>
+          <a:p>
+            <a:pPr lvl="1"/>
+            <a:r>
+              <a:rPr lang="en-US" sz="1400"/>
+              <a:t>Compute the CNN features for all images in the dataset, that will act as the sample pool for retrieval.</a:t>
+            </a:r>
+            <a:endParaRPr lang="en-US" sz="1400"/>
+          </a:p>
+          <a:p>
+            <a:pPr lvl="1"/>
+            <a:r>
+              <a:rPr lang="en-US" sz="1400"/>
+              <a:t>Compute CNN features for the required image patch.</a:t>
+            </a:r>
+            <a:endParaRPr lang="en-US" sz="1400"/>
+          </a:p>
+          <a:p>
+            <a:pPr lvl="1"/>
+            <a:r>
+              <a:rPr lang="en-US" sz="1400"/>
+              <a:t>Identify nearest neighbours for the feature vector of the required image, from the pool of feature vectors of images available.</a:t>
+            </a:r>
+            <a:endParaRPr lang="en-US" sz="1400"/>
+          </a:p>
+        </p:txBody>
+      </p:sp>
+      <p:pic>
+        <p:nvPicPr>
+          <p:cNvPr id="2" name="Content Placeholder 3"/>
+          <p:cNvPicPr>
+            <a:picLocks noChangeAspect="1"/>
+          </p:cNvPicPr>
+          <p:nvPr/>
+        </p:nvPicPr>
+        <p:blipFill>
+          <a:blip r:embed="rId1"/>
+          <a:stretch>
+            <a:fillRect/>
+          </a:stretch>
+        </p:blipFill>
+        <p:spPr>
+          <a:xfrm>
+            <a:off x="1005840" y="2784475"/>
+            <a:ext cx="7132320" cy="3451860"/>
+          </a:xfrm>
+          <a:prstGeom prst="rect">
+            <a:avLst/>
+          </a:prstGeom>
+          <a:noFill/>
+          <a:ln w="9525">
+            <a:noFill/>
+          </a:ln>
+        </p:spPr>
+      </p:pic>
+    </p:spTree>
+  </p:cSld>
+  <p:clrMapOvr>
+    <a:masterClrMapping/>
+  </p:clrMapOvr>
+</p:sld>
+</file>
+
+<file path=ppt/slides/slide5.xml><?xml version="1.0" encoding="utf-8"?>
+<p:sld xmlns:a="http://schemas.openxmlformats.org/drawingml/2006/main" xmlns:r="http://schemas.openxmlformats.org/officeDocument/2006/relationships" xmlns:p="http://schemas.openxmlformats.org/presentationml/2006/main">
+  <p:cSld>
+    <p:spTree>
+      <p:nvGrpSpPr>
+        <p:cNvPr id="1" name=""/>
+        <p:cNvGrpSpPr/>
+        <p:nvPr/>
+      </p:nvGrpSpPr>
       <p:grpSpPr/>
       <p:sp>
         <p:nvSpPr>
@@ -4044,381 +4389,6 @@
 </p:sld>
 </file>
 
-<file path=ppt/slides/slide3.xml><?xml version="1.0" encoding="utf-8"?>
-<p:sld xmlns:a="http://schemas.openxmlformats.org/drawingml/2006/main" xmlns:r="http://schemas.openxmlformats.org/officeDocument/2006/relationships" xmlns:p="http://schemas.openxmlformats.org/presentationml/2006/main">
-  <p:cSld>
-    <p:spTree>
-      <p:nvGrpSpPr>
-        <p:cNvPr id="1" name=""/>
-        <p:cNvGrpSpPr/>
-        <p:nvPr/>
-      </p:nvGrpSpPr>
-      <p:grpSpPr>
-        <a:xfrm>
-          <a:off x="0" y="0"/>
-          <a:ext cx="0" cy="0"/>
-          <a:chOff x="0" y="0"/>
-          <a:chExt cx="0" cy="0"/>
-        </a:xfrm>
-      </p:grpSpPr>
-      <p:sp>
-        <p:nvSpPr>
-          <p:cNvPr id="2" name="Title 1"/>
-          <p:cNvSpPr>
-            <a:spLocks noGrp="1"/>
-          </p:cNvSpPr>
-          <p:nvPr>
-            <p:ph type="ctrTitle"/>
-          </p:nvPr>
-        </p:nvSpPr>
-        <p:spPr>
-          <a:xfrm>
-            <a:off x="1143000" y="2058035"/>
-            <a:ext cx="6858000" cy="946785"/>
-          </a:xfrm>
-        </p:spPr>
-        <p:txBody>
-          <a:bodyPr/>
-          <a:lstStyle/>
-          <a:p>
-            <a:pPr algn="l"/>
-            <a:r>
-              <a:rPr lang="en-IN" altLang="en-US" b="1" dirty="0">
-                <a:latin typeface="Georgia" panose="02040502050405020303" charset="0"/>
-                <a:ea typeface="Microsoft JhengHei UI Light" panose="020B0304030504040204" charset="-120"/>
-                <a:cs typeface="Georgia" panose="02040502050405020303" charset="0"/>
-              </a:rPr>
-              <a:t>Pretext Tasks</a:t>
-            </a:r>
-            <a:r>
-              <a:rPr lang="en-IN" altLang="en-US" b="1" dirty="0">
-                <a:latin typeface="Georgia" panose="02040502050405020303" charset="0"/>
-                <a:cs typeface="Georgia" panose="02040502050405020303" charset="0"/>
-              </a:rPr>
-              <a:t> </a:t>
-            </a:r>
-            <a:r>
-              <a:rPr lang="en-IN" altLang="en-US" b="1" dirty="0"/>
-              <a:t> </a:t>
-            </a:r>
-            <a:endParaRPr lang="en-IN" altLang="en-US" b="1" dirty="0"/>
-          </a:p>
-        </p:txBody>
-      </p:sp>
-    </p:spTree>
-  </p:cSld>
-  <p:clrMapOvr>
-    <a:masterClrMapping/>
-  </p:clrMapOvr>
-</p:sld>
-</file>
-
-<file path=ppt/slides/slide4.xml><?xml version="1.0" encoding="utf-8"?>
-<p:sld xmlns:a="http://schemas.openxmlformats.org/drawingml/2006/main" xmlns:r="http://schemas.openxmlformats.org/officeDocument/2006/relationships" xmlns:p="http://schemas.openxmlformats.org/presentationml/2006/main">
-  <p:cSld>
-    <p:spTree>
-      <p:nvGrpSpPr>
-        <p:cNvPr id="1" name=""/>
-        <p:cNvGrpSpPr/>
-        <p:nvPr/>
-      </p:nvGrpSpPr>
-      <p:grpSpPr/>
-      <p:sp>
-        <p:nvSpPr>
-          <p:cNvPr id="6" name="Text Box 5"/>
-          <p:cNvSpPr txBox="1"/>
-          <p:nvPr/>
-        </p:nvSpPr>
-        <p:spPr>
-          <a:xfrm>
-            <a:off x="518160" y="4011295"/>
-            <a:ext cx="6870700" cy="2306955"/>
-          </a:xfrm>
-          <a:prstGeom prst="rect">
-            <a:avLst/>
-          </a:prstGeom>
-          <a:noFill/>
-        </p:spPr>
-        <p:txBody>
-          <a:bodyPr wrap="square" rtlCol="0" anchor="t">
-            <a:spAutoFit/>
-          </a:bodyPr>
-          <a:p>
-            <a:pPr marL="285750" indent="-285750">
-              <a:buFont typeface="Arial" panose="020B0604020202020204" pitchFamily="34" charset="0"/>
-              <a:buChar char="•"/>
-            </a:pPr>
-            <a:r>
-              <a:rPr lang="en-US" sz="1600">
-                <a:latin typeface="Georgia" panose="02040502050405020303" charset="0"/>
-                <a:cs typeface="Georgia" panose="02040502050405020303" charset="0"/>
-              </a:rPr>
-              <a:t>Input: 2 image patches, one is the anchor image patch while the other is the query image patch.</a:t>
-            </a:r>
-            <a:endParaRPr lang="en-US" sz="1600">
-              <a:latin typeface="Georgia" panose="02040502050405020303" charset="0"/>
-              <a:cs typeface="Georgia" panose="02040502050405020303" charset="0"/>
-            </a:endParaRPr>
-          </a:p>
-          <a:p>
-            <a:pPr marL="285750" indent="-285750">
-              <a:buFont typeface="Arial" panose="020B0604020202020204" pitchFamily="34" charset="0"/>
-              <a:buChar char="•"/>
-            </a:pPr>
-            <a:r>
-              <a:rPr lang="en-US" sz="1600">
-                <a:latin typeface="Georgia" panose="02040502050405020303" charset="0"/>
-                <a:cs typeface="Georgia" panose="02040502050405020303" charset="0"/>
-              </a:rPr>
-              <a:t>Given the 2 image patches, the network needs to predict the relative position of the query image patch with respect to the anchor image patch.</a:t>
-            </a:r>
-            <a:endParaRPr lang="en-US" sz="1600">
-              <a:latin typeface="Georgia" panose="02040502050405020303" charset="0"/>
-              <a:cs typeface="Georgia" panose="02040502050405020303" charset="0"/>
-            </a:endParaRPr>
-          </a:p>
-          <a:p>
-            <a:pPr marL="285750" indent="-285750">
-              <a:buFont typeface="Arial" panose="020B0604020202020204" pitchFamily="34" charset="0"/>
-              <a:buChar char="•"/>
-            </a:pPr>
-            <a:r>
-              <a:rPr lang="en-US" sz="1600">
-                <a:latin typeface="Georgia" panose="02040502050405020303" charset="0"/>
-                <a:cs typeface="Georgia" panose="02040502050405020303" charset="0"/>
-              </a:rPr>
-              <a:t>Thus, this problem can be modelled as an 8-way classification problem, since there are 8 possible locations for a query image, given an anchor.</a:t>
-            </a:r>
-            <a:endParaRPr lang="en-US" sz="1600">
-              <a:latin typeface="Georgia" panose="02040502050405020303" charset="0"/>
-              <a:cs typeface="Georgia" panose="02040502050405020303" charset="0"/>
-            </a:endParaRPr>
-          </a:p>
-          <a:p>
-            <a:pPr marL="285750" indent="-285750">
-              <a:buFont typeface="Arial" panose="020B0604020202020204" pitchFamily="34" charset="0"/>
-              <a:buChar char="•"/>
-            </a:pPr>
-            <a:r>
-              <a:rPr lang="en-US" sz="1600">
-                <a:latin typeface="Georgia" panose="02040502050405020303" charset="0"/>
-                <a:cs typeface="Georgia" panose="02040502050405020303" charset="0"/>
-              </a:rPr>
-              <a:t>And, the label for this task can be automatically generated by feeding the relative position of query patch with respect to the anchor.</a:t>
-            </a:r>
-            <a:endParaRPr lang="en-US" sz="1600">
-              <a:latin typeface="Georgia" panose="02040502050405020303" charset="0"/>
-              <a:cs typeface="Georgia" panose="02040502050405020303" charset="0"/>
-            </a:endParaRPr>
-          </a:p>
-        </p:txBody>
-      </p:sp>
-      <p:sp>
-        <p:nvSpPr>
-          <p:cNvPr id="7" name="Text Box 6"/>
-          <p:cNvSpPr txBox="1"/>
-          <p:nvPr/>
-        </p:nvSpPr>
-        <p:spPr>
-          <a:xfrm>
-            <a:off x="573405" y="249555"/>
-            <a:ext cx="7310755" cy="398780"/>
-          </a:xfrm>
-          <a:prstGeom prst="rect">
-            <a:avLst/>
-          </a:prstGeom>
-          <a:noFill/>
-        </p:spPr>
-        <p:txBody>
-          <a:bodyPr wrap="square" rtlCol="0">
-            <a:spAutoFit/>
-          </a:bodyPr>
-          <a:p>
-            <a:r>
-              <a:rPr lang="en-US" sz="2000">
-                <a:latin typeface="Georgia" panose="02040502050405020303" charset="0"/>
-                <a:cs typeface="Georgia" panose="02040502050405020303" charset="0"/>
-              </a:rPr>
-              <a:t>Pretext task for Images </a:t>
-            </a:r>
-            <a:endParaRPr lang="en-US" sz="2000">
-              <a:latin typeface="Georgia" panose="02040502050405020303" charset="0"/>
-              <a:cs typeface="Georgia" panose="02040502050405020303" charset="0"/>
-            </a:endParaRPr>
-          </a:p>
-        </p:txBody>
-      </p:sp>
-      <p:pic>
-        <p:nvPicPr>
-          <p:cNvPr id="8" name="Content Placeholder 7"/>
-          <p:cNvPicPr>
-            <a:picLocks noChangeAspect="1"/>
-          </p:cNvPicPr>
-          <p:nvPr>
-            <p:ph idx="1"/>
-          </p:nvPr>
-        </p:nvPicPr>
-        <p:blipFill>
-          <a:blip r:embed="rId1"/>
-          <a:stretch>
-            <a:fillRect/>
-          </a:stretch>
-        </p:blipFill>
-        <p:spPr>
-          <a:xfrm>
-            <a:off x="518160" y="795655"/>
-            <a:ext cx="4816475" cy="3010535"/>
-          </a:xfrm>
-          <a:prstGeom prst="rect">
-            <a:avLst/>
-          </a:prstGeom>
-        </p:spPr>
-      </p:pic>
-    </p:spTree>
-  </p:cSld>
-  <p:clrMapOvr>
-    <a:masterClrMapping/>
-  </p:clrMapOvr>
-</p:sld>
-</file>
-
-<file path=ppt/slides/slide5.xml><?xml version="1.0" encoding="utf-8"?>
-<p:sld xmlns:a="http://schemas.openxmlformats.org/drawingml/2006/main" xmlns:r="http://schemas.openxmlformats.org/officeDocument/2006/relationships" xmlns:p="http://schemas.openxmlformats.org/presentationml/2006/main">
-  <p:cSld>
-    <p:spTree>
-      <p:nvGrpSpPr>
-        <p:cNvPr id="1" name=""/>
-        <p:cNvGrpSpPr/>
-        <p:nvPr/>
-      </p:nvGrpSpPr>
-      <p:grpSpPr/>
-      <p:sp>
-        <p:nvSpPr>
-          <p:cNvPr id="3" name="Content Placeholder 2"/>
-          <p:cNvSpPr>
-            <a:spLocks noGrp="1"/>
-          </p:cNvSpPr>
-          <p:nvPr>
-            <p:ph idx="1"/>
-          </p:nvPr>
-        </p:nvSpPr>
-        <p:spPr>
-          <a:xfrm>
-            <a:off x="457200" y="165100"/>
-            <a:ext cx="8229600" cy="4525963"/>
-          </a:xfrm>
-        </p:spPr>
-        <p:txBody>
-          <a:bodyPr/>
-          <a:p>
-            <a:endParaRPr lang="en-US" sz="1600"/>
-          </a:p>
-          <a:p>
-            <a:endParaRPr lang="en-US" sz="1600"/>
-          </a:p>
-          <a:p>
-            <a:endParaRPr lang="en-US" sz="1600"/>
-          </a:p>
-          <a:p>
-            <a:endParaRPr lang="en-US" sz="1600"/>
-          </a:p>
-          <a:p>
-            <a:endParaRPr lang="en-US" sz="1600"/>
-          </a:p>
-          <a:p>
-            <a:r>
-              <a:rPr lang="en-US" sz="1600"/>
-              <a:t>We can evaluate the effectiveness of the learned visual representations by checking nearest neighbours for a given image patch basis feature representations provided by the network. For computing nearest neighbours of a given image patch</a:t>
-            </a:r>
-            <a:endParaRPr lang="en-US" sz="1600"/>
-          </a:p>
-          <a:p>
-            <a:pPr lvl="1"/>
-            <a:r>
-              <a:rPr lang="en-US" sz="1400"/>
-              <a:t>Compute the CNN features for all images in the dataset, that will act as the sample pool for retrieval.</a:t>
-            </a:r>
-            <a:endParaRPr lang="en-US" sz="1400"/>
-          </a:p>
-          <a:p>
-            <a:pPr lvl="1"/>
-            <a:r>
-              <a:rPr lang="en-US" sz="1400"/>
-              <a:t>Compute CNN features for the required image patch.</a:t>
-            </a:r>
-            <a:endParaRPr lang="en-US" sz="1400"/>
-          </a:p>
-          <a:p>
-            <a:pPr lvl="1"/>
-            <a:r>
-              <a:rPr lang="en-US" sz="1400"/>
-              <a:t>Identify nearest neighbours for the feature vector of the required image, from the pool of feature vectors of images available.</a:t>
-            </a:r>
-            <a:endParaRPr lang="en-US" sz="1400"/>
-          </a:p>
-        </p:txBody>
-      </p:sp>
-      <p:sp>
-        <p:nvSpPr>
-          <p:cNvPr id="4" name="Text Box 3"/>
-          <p:cNvSpPr txBox="1"/>
-          <p:nvPr/>
-        </p:nvSpPr>
-        <p:spPr>
-          <a:xfrm>
-            <a:off x="457200" y="4691380"/>
-            <a:ext cx="7472680" cy="1476375"/>
-          </a:xfrm>
-          <a:prstGeom prst="rect">
-            <a:avLst/>
-          </a:prstGeom>
-          <a:noFill/>
-        </p:spPr>
-        <p:txBody>
-          <a:bodyPr wrap="square" rtlCol="0" anchor="t">
-            <a:spAutoFit/>
-          </a:bodyPr>
-          <a:p>
-            <a:r>
-              <a:rPr lang="en-US"/>
-              <a:t>Pretext tasks vary greatly in what they try to predict (difficultly)</a:t>
-            </a:r>
-            <a:endParaRPr lang="en-US"/>
-          </a:p>
-          <a:p>
-            <a:endParaRPr lang="en-US"/>
-          </a:p>
-          <a:p>
-            <a:r>
-              <a:rPr lang="en-US"/>
-              <a:t>Relative position is easy since it’s a simple classification</a:t>
-            </a:r>
-            <a:endParaRPr lang="en-US"/>
-          </a:p>
-          <a:p>
-            <a:r>
-              <a:rPr lang="en-US"/>
-              <a:t>Masking and fill-in is far harder –&gt; better representation</a:t>
-            </a:r>
-            <a:endParaRPr lang="en-US"/>
-          </a:p>
-          <a:p>
-            <a:r>
-              <a:rPr lang="en-US"/>
-              <a:t>Contrastive methods generate even more info than pretext tasks</a:t>
-            </a:r>
-            <a:endParaRPr lang="en-US"/>
-          </a:p>
-        </p:txBody>
-      </p:sp>
-    </p:spTree>
-  </p:cSld>
-  <p:clrMapOvr>
-    <a:masterClrMapping/>
-  </p:clrMapOvr>
-</p:sld>
-</file>
-
 <file path=ppt/slides/slide6.xml><?xml version="1.0" encoding="utf-8"?>
 <p:sld xmlns:a="http://schemas.openxmlformats.org/drawingml/2006/main" xmlns:r="http://schemas.openxmlformats.org/officeDocument/2006/relationships" xmlns:p="http://schemas.openxmlformats.org/presentationml/2006/main">
   <p:cSld>
@@ -4595,39 +4565,75 @@
         </p:spPr>
         <p:txBody>
           <a:bodyPr>
-            <a:normAutofit lnSpcReduction="20000"/>
+            <a:normAutofit/>
           </a:bodyPr>
           <a:p>
             <a:r>
-              <a:rPr lang="en-IN" altLang="en-US"/>
+              <a:rPr lang="en-IN" altLang="en-US" sz="2000">
+                <a:latin typeface="Georgia" panose="02040502050405020303" charset="0"/>
+                <a:cs typeface="Georgia" panose="02040502050405020303" charset="0"/>
+              </a:rPr>
               <a:t>Center word prediction</a:t>
             </a:r>
-            <a:endParaRPr lang="en-IN" altLang="en-US"/>
-          </a:p>
-          <a:p>
-            <a:endParaRPr lang="en-IN" altLang="en-US" sz="3600"/>
-          </a:p>
-          <a:p>
-            <a:endParaRPr lang="en-IN" altLang="en-US"/>
-          </a:p>
-          <a:p>
-            <a:endParaRPr lang="en-IN" altLang="en-US"/>
-          </a:p>
-          <a:p>
-            <a:endParaRPr lang="en-IN" altLang="en-US"/>
-          </a:p>
-          <a:p>
-            <a:endParaRPr lang="en-IN" altLang="en-US"/>
-          </a:p>
-          <a:p>
-            <a:r>
-              <a:rPr lang="en-IN" altLang="en-US" sz="2800"/>
+            <a:endParaRPr lang="en-IN" altLang="en-US" sz="2000">
+              <a:latin typeface="Georgia" panose="02040502050405020303" charset="0"/>
+              <a:cs typeface="Georgia" panose="02040502050405020303" charset="0"/>
+            </a:endParaRPr>
+          </a:p>
+          <a:p>
+            <a:endParaRPr lang="en-IN" altLang="en-US" sz="2400">
+              <a:latin typeface="Georgia" panose="02040502050405020303" charset="0"/>
+              <a:cs typeface="Georgia" panose="02040502050405020303" charset="0"/>
+            </a:endParaRPr>
+          </a:p>
+          <a:p>
+            <a:endParaRPr lang="en-IN" altLang="en-US" sz="2000">
+              <a:latin typeface="Georgia" panose="02040502050405020303" charset="0"/>
+              <a:cs typeface="Georgia" panose="02040502050405020303" charset="0"/>
+            </a:endParaRPr>
+          </a:p>
+          <a:p>
+            <a:endParaRPr lang="en-IN" altLang="en-US" sz="2000">
+              <a:latin typeface="Georgia" panose="02040502050405020303" charset="0"/>
+              <a:cs typeface="Georgia" panose="02040502050405020303" charset="0"/>
+            </a:endParaRPr>
+          </a:p>
+          <a:p>
+            <a:endParaRPr lang="en-IN" altLang="en-US" sz="2000">
+              <a:latin typeface="Georgia" panose="02040502050405020303" charset="0"/>
+              <a:cs typeface="Georgia" panose="02040502050405020303" charset="0"/>
+            </a:endParaRPr>
+          </a:p>
+          <a:p>
+            <a:endParaRPr lang="en-IN" altLang="en-US" sz="2000">
+              <a:latin typeface="Georgia" panose="02040502050405020303" charset="0"/>
+              <a:cs typeface="Georgia" panose="02040502050405020303" charset="0"/>
+            </a:endParaRPr>
+          </a:p>
+          <a:p>
+            <a:endParaRPr lang="en-IN" altLang="en-US" sz="2000">
+              <a:latin typeface="Georgia" panose="02040502050405020303" charset="0"/>
+              <a:cs typeface="Georgia" panose="02040502050405020303" charset="0"/>
+            </a:endParaRPr>
+          </a:p>
+          <a:p>
+            <a:r>
+              <a:rPr lang="en-IN" altLang="en-US" sz="1800">
+                <a:latin typeface="Georgia" panose="02040502050405020303" charset="0"/>
+                <a:cs typeface="Georgia" panose="02040502050405020303" charset="0"/>
+              </a:rPr>
               <a:t>Masked language modeling</a:t>
             </a:r>
-            <a:endParaRPr lang="en-IN" altLang="en-US" sz="2800"/>
-          </a:p>
-          <a:p>
-            <a:endParaRPr lang="en-IN" altLang="en-US" sz="2800"/>
+            <a:endParaRPr lang="en-IN" altLang="en-US" sz="1800">
+              <a:latin typeface="Georgia" panose="02040502050405020303" charset="0"/>
+              <a:cs typeface="Georgia" panose="02040502050405020303" charset="0"/>
+            </a:endParaRPr>
+          </a:p>
+          <a:p>
+            <a:endParaRPr lang="en-IN" altLang="en-US" sz="1800">
+              <a:latin typeface="Georgia" panose="02040502050405020303" charset="0"/>
+              <a:cs typeface="Georgia" panose="02040502050405020303" charset="0"/>
+            </a:endParaRPr>
           </a:p>
         </p:txBody>
       </p:sp>
@@ -4649,8 +4655,8 @@
         </p:blipFill>
         <p:spPr>
           <a:xfrm>
-            <a:off x="3815080" y="1113790"/>
-            <a:ext cx="5151120" cy="1951990"/>
+            <a:off x="3904615" y="1280795"/>
+            <a:ext cx="4207510" cy="1160145"/>
           </a:xfrm>
           <a:prstGeom prst="rect">
             <a:avLst/>
@@ -4674,7 +4680,7 @@
         <p:spPr>
           <a:xfrm>
             <a:off x="3904615" y="4181475"/>
-            <a:ext cx="5173345" cy="1701165"/>
+            <a:ext cx="5173345" cy="1035685"/>
           </a:xfrm>
           <a:prstGeom prst="rect">
             <a:avLst/>
